--- a/4089.pptx
+++ b/4089.pptx
@@ -156,6 +156,22 @@
       </a:defRPr>
     </a:lvl9pPr>
   </p:defaultTextStyle>
+  <p:extLst>
+    <p:ext uri="{EFAFB233-063F-42B5-8137-9DF3F51BA10A}">
+      <p15:sldGuideLst xmlns:p15="http://schemas.microsoft.com/office/powerpoint/2012/main">
+        <p15:guide id="1" orient="horz" pos="2160">
+          <p15:clr>
+            <a:srgbClr val="A4A3A4"/>
+          </p15:clr>
+        </p15:guide>
+        <p15:guide id="2" pos="2880">
+          <p15:clr>
+            <a:srgbClr val="A4A3A4"/>
+          </p15:clr>
+        </p15:guide>
+      </p15:sldGuideLst>
+    </p:ext>
+  </p:extLst>
 </p:presentation>
 </file>
 
@@ -242,7 +258,7 @@
             <a:fld id="{5D583F7B-2EC1-4605-B0EF-51E8A16BCE19}" type="datetimeFigureOut">
               <a:rPr lang="en-AU" smtClean="0"/>
               <a:pPr/>
-              <a:t>13/09/2020</a:t>
+              <a:t>15/09/2020</a:t>
             </a:fld>
             <a:endParaRPr lang="en-AU"/>
           </a:p>
@@ -411,6 +427,11 @@
         </p:txBody>
       </p:sp>
     </p:spTree>
+    <p:extLst>
+      <p:ext uri="{BB962C8B-B14F-4D97-AF65-F5344CB8AC3E}">
+        <p14:creationId xmlns:p14="http://schemas.microsoft.com/office/powerpoint/2010/main" val="1300662223"/>
+      </p:ext>
+    </p:extLst>
   </p:cSld>
   <p:clrMap bg1="lt1" tx1="dk1" bg2="lt2" tx2="dk2" accent1="accent1" accent2="accent2" accent3="accent3" accent4="accent4" accent5="accent5" accent6="accent6" hlink="hlink" folHlink="folHlink"/>
   <p:notesStyle>
@@ -583,6 +604,11 @@
         </p:txBody>
       </p:sp>
     </p:spTree>
+    <p:extLst>
+      <p:ext uri="{BB962C8B-B14F-4D97-AF65-F5344CB8AC3E}">
+        <p14:creationId xmlns:p14="http://schemas.microsoft.com/office/powerpoint/2010/main" val="1439649422"/>
+      </p:ext>
+    </p:extLst>
   </p:cSld>
   <p:clrMapOvr>
     <a:masterClrMapping/>
@@ -772,7 +798,7 @@
             <a:fld id="{56299B8D-120E-48FF-BCD5-01EA42E58BAC}" type="datetimeFigureOut">
               <a:rPr lang="en-AU" smtClean="0"/>
               <a:pPr/>
-              <a:t>13/09/2020</a:t>
+              <a:t>15/09/2020</a:t>
             </a:fld>
             <a:endParaRPr lang="en-AU"/>
           </a:p>
@@ -939,7 +965,7 @@
             <a:fld id="{56299B8D-120E-48FF-BCD5-01EA42E58BAC}" type="datetimeFigureOut">
               <a:rPr lang="en-AU" smtClean="0"/>
               <a:pPr/>
-              <a:t>13/09/2020</a:t>
+              <a:t>15/09/2020</a:t>
             </a:fld>
             <a:endParaRPr lang="en-AU"/>
           </a:p>
@@ -1116,7 +1142,7 @@
             <a:fld id="{56299B8D-120E-48FF-BCD5-01EA42E58BAC}" type="datetimeFigureOut">
               <a:rPr lang="en-AU" smtClean="0"/>
               <a:pPr/>
-              <a:t>13/09/2020</a:t>
+              <a:t>15/09/2020</a:t>
             </a:fld>
             <a:endParaRPr lang="en-AU"/>
           </a:p>
@@ -1283,7 +1309,7 @@
             <a:fld id="{56299B8D-120E-48FF-BCD5-01EA42E58BAC}" type="datetimeFigureOut">
               <a:rPr lang="en-AU" smtClean="0"/>
               <a:pPr/>
-              <a:t>13/09/2020</a:t>
+              <a:t>15/09/2020</a:t>
             </a:fld>
             <a:endParaRPr lang="en-AU"/>
           </a:p>
@@ -1526,7 +1552,7 @@
             <a:fld id="{56299B8D-120E-48FF-BCD5-01EA42E58BAC}" type="datetimeFigureOut">
               <a:rPr lang="en-AU" smtClean="0"/>
               <a:pPr/>
-              <a:t>13/09/2020</a:t>
+              <a:t>15/09/2020</a:t>
             </a:fld>
             <a:endParaRPr lang="en-AU"/>
           </a:p>
@@ -1811,7 +1837,7 @@
             <a:fld id="{56299B8D-120E-48FF-BCD5-01EA42E58BAC}" type="datetimeFigureOut">
               <a:rPr lang="en-AU" smtClean="0"/>
               <a:pPr/>
-              <a:t>13/09/2020</a:t>
+              <a:t>15/09/2020</a:t>
             </a:fld>
             <a:endParaRPr lang="en-AU"/>
           </a:p>
@@ -2230,7 +2256,7 @@
             <a:fld id="{56299B8D-120E-48FF-BCD5-01EA42E58BAC}" type="datetimeFigureOut">
               <a:rPr lang="en-AU" smtClean="0"/>
               <a:pPr/>
-              <a:t>13/09/2020</a:t>
+              <a:t>15/09/2020</a:t>
             </a:fld>
             <a:endParaRPr lang="en-AU"/>
           </a:p>
@@ -2345,7 +2371,7 @@
             <a:fld id="{56299B8D-120E-48FF-BCD5-01EA42E58BAC}" type="datetimeFigureOut">
               <a:rPr lang="en-AU" smtClean="0"/>
               <a:pPr/>
-              <a:t>13/09/2020</a:t>
+              <a:t>15/09/2020</a:t>
             </a:fld>
             <a:endParaRPr lang="en-AU"/>
           </a:p>
@@ -2437,7 +2463,7 @@
             <a:fld id="{56299B8D-120E-48FF-BCD5-01EA42E58BAC}" type="datetimeFigureOut">
               <a:rPr lang="en-AU" smtClean="0"/>
               <a:pPr/>
-              <a:t>13/09/2020</a:t>
+              <a:t>15/09/2020</a:t>
             </a:fld>
             <a:endParaRPr lang="en-AU"/>
           </a:p>
@@ -2711,7 +2737,7 @@
             <a:fld id="{56299B8D-120E-48FF-BCD5-01EA42E58BAC}" type="datetimeFigureOut">
               <a:rPr lang="en-AU" smtClean="0"/>
               <a:pPr/>
-              <a:t>13/09/2020</a:t>
+              <a:t>15/09/2020</a:t>
             </a:fld>
             <a:endParaRPr lang="en-AU"/>
           </a:p>
@@ -2961,7 +2987,7 @@
             <a:fld id="{56299B8D-120E-48FF-BCD5-01EA42E58BAC}" type="datetimeFigureOut">
               <a:rPr lang="en-AU" smtClean="0"/>
               <a:pPr/>
-              <a:t>13/09/2020</a:t>
+              <a:t>15/09/2020</a:t>
             </a:fld>
             <a:endParaRPr lang="en-AU"/>
           </a:p>
@@ -3171,7 +3197,7 @@
             <a:fld id="{56299B8D-120E-48FF-BCD5-01EA42E58BAC}" type="datetimeFigureOut">
               <a:rPr lang="en-AU" smtClean="0"/>
               <a:pPr/>
-              <a:t>13/09/2020</a:t>
+              <a:t>15/09/2020</a:t>
             </a:fld>
             <a:endParaRPr lang="en-AU"/>
           </a:p>
@@ -8329,15 +8355,7 @@
             <a:pPr lvl="0" algn="l"/>
             <a:r>
               <a:rPr lang="en-US" sz="2800" b="1" dirty="0" smtClean="0"/>
-              <a:t>2</a:t>
-            </a:r>
-            <a:r>
-              <a:rPr lang="en-US" sz="2800" b="1" dirty="0" smtClean="0"/>
-              <a:t>. 4 </a:t>
-            </a:r>
-            <a:r>
-              <a:rPr lang="en-US" sz="2800" b="1" dirty="0" smtClean="0"/>
-              <a:t>Culture</a:t>
+              <a:t>2. 4 Culture</a:t>
             </a:r>
             <a:r>
               <a:rPr lang="en-AU" sz="2800" b="1" dirty="0" smtClean="0"/>
@@ -8461,15 +8479,7 @@
             </a:r>
             <a:r>
               <a:rPr lang="en-US" sz="2000" dirty="0" smtClean="0"/>
-              <a:t>creations of human being are called culture i.e. house, tools, motorbike, etc are materials culture &amp; </a:t>
-            </a:r>
-            <a:r>
-              <a:rPr lang="en-US" sz="2000" dirty="0" smtClean="0"/>
-              <a:t>norms, </a:t>
-            </a:r>
-            <a:r>
-              <a:rPr lang="en-US" sz="2000" dirty="0" smtClean="0"/>
-              <a:t>values, knowledge, art, belief, customs, and morals are non-materials culture.</a:t>
+              <a:t>creations of human being are called culture i.e. house, tools, motorbike, etc are materials culture &amp; norms, values, knowledge, art, belief, customs, and morals are non-materials culture.</a:t>
             </a:r>
             <a:endParaRPr lang="en-AU" sz="2000" dirty="0" smtClean="0"/>
           </a:p>
@@ -8742,15 +8752,7 @@
             </a:r>
             <a:r>
               <a:rPr lang="en-US" dirty="0" smtClean="0"/>
-              <a:t>Culture is the learned </a:t>
-            </a:r>
-            <a:r>
-              <a:rPr lang="en-US" dirty="0" smtClean="0"/>
-              <a:t>behaviour </a:t>
-            </a:r>
-            <a:r>
-              <a:rPr lang="en-US" dirty="0" smtClean="0"/>
-              <a:t>of human. No one is social being at the time birth but at that he/she is only biological being. He/she learns culture from family, neighborhood, friend, institution etc. through socialization. The totality of various values, norms, tradition, language, law, custom etc. Is called culture. So, culture is learned behaviour but it is not hereditary to us.</a:t>
+              <a:t>Culture is the learned behaviour of human. No one is social being at the time birth but at that he/she is only biological being. He/she learns culture from family, neighborhood, friend, institution etc. through socialization. The totality of various values, norms, tradition, language, law, custom etc. Is called culture. So, culture is learned behaviour but it is not hereditary to us.</a:t>
             </a:r>
             <a:endParaRPr lang="en-AU" dirty="0" smtClean="0"/>
           </a:p>
@@ -9030,15 +9032,7 @@
             </a:r>
             <a:r>
               <a:rPr lang="en-US" sz="2000" dirty="0" smtClean="0"/>
-              <a:t>Symbols are the central components of culture. Symbols refer to anything to which people attach meaning and which they use to communicate with others. More specifically, symbols are words</a:t>
-            </a:r>
-            <a:r>
-              <a:rPr lang="en-US" sz="2000" dirty="0" smtClean="0"/>
-              <a:t>, objects</a:t>
-            </a:r>
-            <a:r>
-              <a:rPr lang="en-US" sz="2000" dirty="0" smtClean="0"/>
-              <a:t>, gestures, sounds or images that represent something else rather than themselves. Symbolic thought is unique and crucial to humans and to culture. There is no obvious natural or necessary connection between a symbol and what it symbolizes.</a:t>
+              <a:t>Symbols are the central components of culture. Symbols refer to anything to which people attach meaning and which they use to communicate with others. More specifically, symbols are words, objects, gestures, sounds or images that represent something else rather than themselves. Symbolic thought is unique and crucial to humans and to culture. There is no obvious natural or necessary connection between a symbol and what it symbolizes.</a:t>
             </a:r>
           </a:p>
           <a:p>
@@ -9312,27 +9306,11 @@
             </a:r>
             <a:r>
               <a:rPr lang="en-US" sz="4900" dirty="0" smtClean="0"/>
-              <a:t>.” Non Material culture “ Consist of the words the people use or the language they speak, the believes they hold, values and virtues they cherish, habits they follows, rituals and practices that they do and one ceremonies they observe. It also includes our customs and tastes, </a:t>
-            </a:r>
-            <a:r>
-              <a:rPr lang="en-US" sz="4900" dirty="0" smtClean="0"/>
-              <a:t>attitudes </a:t>
-            </a:r>
-            <a:r>
-              <a:rPr lang="en-US" sz="4900" dirty="0" smtClean="0"/>
-              <a:t>and outlook, in belief</a:t>
+              <a:t>.” Non Material culture “ Consist of the words the people use or the language they speak, the believes they hold, values and virtues they cherish, habits they follows, rituals and practices that they do and one ceremonies they observe. It also includes our customs and tastes, attitudes and outlook, in belief</a:t>
             </a:r>
             <a:r>
               <a:rPr lang="en-US" sz="4900" b="1" dirty="0" smtClean="0"/>
-              <a:t>, our ways of acting , feeding </a:t>
-            </a:r>
-            <a:r>
-              <a:rPr lang="en-US" sz="4900" b="1" dirty="0" smtClean="0"/>
-              <a:t>and </a:t>
-            </a:r>
-            <a:r>
-              <a:rPr lang="en-US" sz="4900" b="1" dirty="0" smtClean="0"/>
-              <a:t>thinking</a:t>
+              <a:t>, our ways of acting , feeding and thinking</a:t>
             </a:r>
             <a:r>
               <a:rPr lang="en-US" sz="4900" dirty="0" smtClean="0"/>
@@ -9368,7 +9346,6 @@
               <a:rPr lang="en-US" sz="4900" b="1" dirty="0" smtClean="0"/>
               <a:t>What is Culture ? Explain its  characteristics.</a:t>
             </a:r>
-            <a:endParaRPr lang="en-US" sz="4900" b="1" dirty="0" smtClean="0"/>
           </a:p>
           <a:p>
             <a:r>
@@ -10387,7 +10364,31 @@
             <a:pPr algn="just"/>
             <a:r>
               <a:rPr lang="en-US" sz="2000" dirty="0" smtClean="0"/>
-              <a:t>In each social class there is a sense of class consciousness.</a:t>
+              <a:t>In each social class there is a sense of </a:t>
+            </a:r>
+            <a:r>
+              <a:rPr lang="en-US" sz="2000" b="1" dirty="0" smtClean="0"/>
+              <a:t>class </a:t>
+            </a:r>
+            <a:r>
+              <a:rPr lang="en-US" sz="2000" b="1" dirty="0" smtClean="0"/>
+              <a:t>consciousness (</a:t>
+            </a:r>
+            <a:r>
+              <a:rPr lang="en-US" sz="2000" b="1" smtClean="0"/>
+              <a:t>We feeling)</a:t>
+            </a:r>
+            <a:r>
+              <a:rPr lang="en-US" sz="2000" smtClean="0"/>
+              <a:t>.</a:t>
+            </a:r>
+            <a:endParaRPr lang="en-US" sz="2000" dirty="0" smtClean="0"/>
+          </a:p>
+          <a:p>
+            <a:pPr algn="just"/>
+            <a:r>
+              <a:rPr lang="en-US" sz="2000" dirty="0" smtClean="0"/>
+              <a:t>Class is a group of people who have more or less similar features.</a:t>
             </a:r>
             <a:endParaRPr lang="en-AU" sz="2000" dirty="0" smtClean="0"/>
           </a:p>
